--- a/assets/imgdesigner.pptx
+++ b/assets/imgdesigner.pptx
@@ -7,6 +7,15 @@
   <p:sldIdLst>
     <p:sldId id="256" r:id="rId2"/>
     <p:sldId id="257" r:id="rId3"/>
+    <p:sldId id="258" r:id="rId4"/>
+    <p:sldId id="259" r:id="rId5"/>
+    <p:sldId id="260" r:id="rId6"/>
+    <p:sldId id="261" r:id="rId7"/>
+    <p:sldId id="262" r:id="rId8"/>
+    <p:sldId id="263" r:id="rId9"/>
+    <p:sldId id="264" r:id="rId10"/>
+    <p:sldId id="265" r:id="rId11"/>
+    <p:sldId id="266" r:id="rId12"/>
   </p:sldIdLst>
   <p:sldSz cx="12192000" cy="6858000"/>
   <p:notesSz cx="6858000" cy="9144000"/>
@@ -105,6 +114,11 @@
       </a:defRPr>
     </a:lvl9pPr>
   </p:defaultTextStyle>
+  <p:extLst>
+    <p:ext uri="{EFAFB233-063F-42B5-8137-9DF3F51BA10A}">
+      <p15:sldGuideLst xmlns:p15="http://schemas.microsoft.com/office/powerpoint/2012/main"/>
+    </p:ext>
+  </p:extLst>
 </p:presentation>
 </file>
 
@@ -3572,6 +3586,298 @@
 </p:sld>
 </file>
 
+<file path=ppt/slides/slide10.xml><?xml version="1.0" encoding="utf-8"?>
+<p:sld xmlns:a="http://schemas.openxmlformats.org/drawingml/2006/main" xmlns:r="http://schemas.openxmlformats.org/officeDocument/2006/relationships" xmlns:p="http://schemas.openxmlformats.org/presentationml/2006/main">
+  <p:cSld>
+    <p:spTree>
+      <p:nvGrpSpPr>
+        <p:cNvPr id="1" name=""/>
+        <p:cNvGrpSpPr/>
+        <p:nvPr/>
+      </p:nvGrpSpPr>
+      <p:grpSpPr>
+        <a:xfrm>
+          <a:off x="0" y="0"/>
+          <a:ext cx="0" cy="0"/>
+          <a:chOff x="0" y="0"/>
+          <a:chExt cx="0" cy="0"/>
+        </a:xfrm>
+      </p:grpSpPr>
+      <p:pic>
+        <p:nvPicPr>
+          <p:cNvPr id="8" name="Picture 7">
+            <a:extLst>
+              <a:ext uri="{FF2B5EF4-FFF2-40B4-BE49-F238E27FC236}">
+                <a16:creationId xmlns:a16="http://schemas.microsoft.com/office/drawing/2014/main" id="{68A40F7C-F3DA-A1DA-D78A-F3AFA42D5BDA}"/>
+              </a:ext>
+            </a:extLst>
+          </p:cNvPr>
+          <p:cNvPicPr>
+            <a:picLocks noChangeAspect="1"/>
+          </p:cNvPicPr>
+          <p:nvPr/>
+        </p:nvPicPr>
+        <p:blipFill>
+          <a:blip r:embed="rId2"/>
+          <a:stretch>
+            <a:fillRect/>
+          </a:stretch>
+        </p:blipFill>
+        <p:spPr>
+          <a:xfrm>
+            <a:off x="4364586" y="1700634"/>
+            <a:ext cx="3462828" cy="3456732"/>
+          </a:xfrm>
+          <a:prstGeom prst="rect">
+            <a:avLst/>
+          </a:prstGeom>
+          <a:solidFill>
+            <a:srgbClr val="FFFFFF">
+              <a:shade val="85000"/>
+            </a:srgbClr>
+          </a:solidFill>
+          <a:ln w="190500" cap="rnd">
+            <a:solidFill>
+              <a:srgbClr val="FFFFFF"/>
+            </a:solidFill>
+          </a:ln>
+          <a:effectLst>
+            <a:outerShdw blurRad="50000" algn="tl" rotWithShape="0">
+              <a:srgbClr val="000000">
+                <a:alpha val="41000"/>
+              </a:srgbClr>
+            </a:outerShdw>
+          </a:effectLst>
+          <a:scene3d>
+            <a:camera prst="orthographicFront"/>
+            <a:lightRig rig="twoPt" dir="t">
+              <a:rot lat="0" lon="0" rev="7800000"/>
+            </a:lightRig>
+          </a:scene3d>
+          <a:sp3d contourW="6350">
+            <a:bevelT w="50800" h="16510"/>
+            <a:contourClr>
+              <a:srgbClr val="C0C0C0"/>
+            </a:contourClr>
+          </a:sp3d>
+        </p:spPr>
+      </p:pic>
+      <p:pic>
+        <p:nvPicPr>
+          <p:cNvPr id="9" name="Picture 8">
+            <a:extLst>
+              <a:ext uri="{FF2B5EF4-FFF2-40B4-BE49-F238E27FC236}">
+                <a16:creationId xmlns:a16="http://schemas.microsoft.com/office/drawing/2014/main" id="{E80DFAFA-EF30-6DBE-544D-6D21FA5F2C91}"/>
+              </a:ext>
+            </a:extLst>
+          </p:cNvPr>
+          <p:cNvPicPr>
+            <a:picLocks noChangeAspect="1"/>
+          </p:cNvPicPr>
+          <p:nvPr/>
+        </p:nvPicPr>
+        <p:blipFill>
+          <a:blip r:embed="rId2"/>
+          <a:stretch>
+            <a:fillRect/>
+          </a:stretch>
+        </p:blipFill>
+        <p:spPr>
+          <a:xfrm>
+            <a:off x="723584" y="1700634"/>
+            <a:ext cx="3462828" cy="3456732"/>
+          </a:xfrm>
+          <a:prstGeom prst="rect">
+            <a:avLst/>
+          </a:prstGeom>
+          <a:solidFill>
+            <a:srgbClr val="FFFFFF">
+              <a:shade val="85000"/>
+            </a:srgbClr>
+          </a:solidFill>
+          <a:ln w="190500" cap="rnd">
+            <a:solidFill>
+              <a:srgbClr val="FFFFFF"/>
+            </a:solidFill>
+          </a:ln>
+          <a:effectLst>
+            <a:outerShdw blurRad="50000" algn="tl" rotWithShape="0">
+              <a:srgbClr val="000000">
+                <a:alpha val="41000"/>
+              </a:srgbClr>
+            </a:outerShdw>
+          </a:effectLst>
+          <a:scene3d>
+            <a:camera prst="orthographicFront"/>
+            <a:lightRig rig="twoPt" dir="t">
+              <a:rot lat="0" lon="0" rev="7800000"/>
+            </a:lightRig>
+          </a:scene3d>
+          <a:sp3d contourW="6350">
+            <a:bevelT w="50800" h="16510"/>
+            <a:contourClr>
+              <a:srgbClr val="C0C0C0"/>
+            </a:contourClr>
+          </a:sp3d>
+        </p:spPr>
+      </p:pic>
+      <p:sp>
+        <p:nvSpPr>
+          <p:cNvPr id="10" name="TextBox 9">
+            <a:extLst>
+              <a:ext uri="{FF2B5EF4-FFF2-40B4-BE49-F238E27FC236}">
+                <a16:creationId xmlns:a16="http://schemas.microsoft.com/office/drawing/2014/main" id="{6629DDBA-2D76-C2FC-6719-AB63B8CCBC04}"/>
+              </a:ext>
+            </a:extLst>
+          </p:cNvPr>
+          <p:cNvSpPr txBox="1"/>
+          <p:nvPr/>
+        </p:nvSpPr>
+        <p:spPr>
+          <a:xfrm rot="18860337">
+            <a:off x="1548143" y="3476530"/>
+            <a:ext cx="1457608" cy="369332"/>
+          </a:xfrm>
+          <a:prstGeom prst="rect">
+            <a:avLst/>
+          </a:prstGeom>
+          <a:noFill/>
+        </p:spPr>
+        <p:txBody>
+          <a:bodyPr wrap="square" rtlCol="0">
+            <a:spAutoFit/>
+          </a:bodyPr>
+          <a:lstStyle/>
+          <a:p>
+            <a:r>
+              <a:rPr lang="en-GB" u="sng" dirty="0">
+                <a:solidFill>
+                  <a:schemeClr val="bg1"/>
+                </a:solidFill>
+              </a:rPr>
+              <a:t>p</a:t>
+            </a:r>
+            <a:r>
+              <a:rPr lang="en-GB" dirty="0">
+                <a:solidFill>
+                  <a:schemeClr val="bg1"/>
+                </a:solidFill>
+              </a:rPr>
+              <a:t>encil</a:t>
+            </a:r>
+          </a:p>
+        </p:txBody>
+      </p:sp>
+    </p:spTree>
+    <p:extLst>
+      <p:ext uri="{BB962C8B-B14F-4D97-AF65-F5344CB8AC3E}">
+        <p14:creationId xmlns:p14="http://schemas.microsoft.com/office/powerpoint/2010/main" val="3482999997"/>
+      </p:ext>
+    </p:extLst>
+  </p:cSld>
+  <p:clrMapOvr>
+    <a:masterClrMapping/>
+  </p:clrMapOvr>
+</p:sld>
+</file>
+
+<file path=ppt/slides/slide11.xml><?xml version="1.0" encoding="utf-8"?>
+<p:sld xmlns:a="http://schemas.openxmlformats.org/drawingml/2006/main" xmlns:r="http://schemas.openxmlformats.org/officeDocument/2006/relationships" xmlns:p="http://schemas.openxmlformats.org/presentationml/2006/main">
+  <p:cSld>
+    <p:spTree>
+      <p:nvGrpSpPr>
+        <p:cNvPr id="1" name=""/>
+        <p:cNvGrpSpPr/>
+        <p:nvPr/>
+      </p:nvGrpSpPr>
+      <p:grpSpPr>
+        <a:xfrm>
+          <a:off x="0" y="0"/>
+          <a:ext cx="0" cy="0"/>
+          <a:chOff x="0" y="0"/>
+          <a:chExt cx="0" cy="0"/>
+        </a:xfrm>
+      </p:grpSpPr>
+      <p:pic>
+        <p:nvPicPr>
+          <p:cNvPr id="5" name="Picture 4">
+            <a:extLst>
+              <a:ext uri="{FF2B5EF4-FFF2-40B4-BE49-F238E27FC236}">
+                <a16:creationId xmlns:a16="http://schemas.microsoft.com/office/drawing/2014/main" id="{F4657347-7A74-B5E1-9FEB-A915567ED05C}"/>
+              </a:ext>
+            </a:extLst>
+          </p:cNvPr>
+          <p:cNvPicPr>
+            <a:picLocks noChangeAspect="1"/>
+          </p:cNvPicPr>
+          <p:nvPr/>
+        </p:nvPicPr>
+        <p:blipFill>
+          <a:blip r:embed="rId2">
+            <a:duotone>
+              <a:schemeClr val="accent5">
+                <a:shade val="45000"/>
+                <a:satMod val="135000"/>
+              </a:schemeClr>
+              <a:prstClr val="white"/>
+            </a:duotone>
+          </a:blip>
+          <a:stretch>
+            <a:fillRect/>
+          </a:stretch>
+        </p:blipFill>
+        <p:spPr>
+          <a:xfrm>
+            <a:off x="4638929" y="1971929"/>
+            <a:ext cx="2914141" cy="2914141"/>
+          </a:xfrm>
+          <a:prstGeom prst="rect">
+            <a:avLst/>
+          </a:prstGeom>
+          <a:solidFill>
+            <a:srgbClr val="FFFFFF">
+              <a:shade val="85000"/>
+            </a:srgbClr>
+          </a:solidFill>
+          <a:ln w="190500" cap="rnd">
+            <a:solidFill>
+              <a:srgbClr val="FFFFFF"/>
+            </a:solidFill>
+          </a:ln>
+          <a:effectLst>
+            <a:outerShdw blurRad="50000" algn="tl" rotWithShape="0">
+              <a:srgbClr val="000000">
+                <a:alpha val="41000"/>
+              </a:srgbClr>
+            </a:outerShdw>
+          </a:effectLst>
+          <a:scene3d>
+            <a:camera prst="orthographicFront"/>
+            <a:lightRig rig="twoPt" dir="t">
+              <a:rot lat="0" lon="0" rev="7800000"/>
+            </a:lightRig>
+          </a:scene3d>
+          <a:sp3d contourW="6350">
+            <a:bevelT w="50800" h="16510"/>
+            <a:contourClr>
+              <a:srgbClr val="C0C0C0"/>
+            </a:contourClr>
+          </a:sp3d>
+        </p:spPr>
+      </p:pic>
+    </p:spTree>
+    <p:extLst>
+      <p:ext uri="{BB962C8B-B14F-4D97-AF65-F5344CB8AC3E}">
+        <p14:creationId xmlns:p14="http://schemas.microsoft.com/office/powerpoint/2010/main" val="3463620669"/>
+      </p:ext>
+    </p:extLst>
+  </p:cSld>
+  <p:clrMapOvr>
+    <a:masterClrMapping/>
+  </p:clrMapOvr>
+</p:sld>
+</file>
+
 <file path=ppt/slides/slide2.xml><?xml version="1.0" encoding="utf-8"?>
 <p:sld xmlns:a="http://schemas.openxmlformats.org/drawingml/2006/main" xmlns:r="http://schemas.openxmlformats.org/officeDocument/2006/relationships" xmlns:p="http://schemas.openxmlformats.org/presentationml/2006/main">
   <p:cSld>
@@ -3754,6 +4060,1655 @@
     <p:extLst>
       <p:ext uri="{BB962C8B-B14F-4D97-AF65-F5344CB8AC3E}">
         <p14:creationId xmlns:p14="http://schemas.microsoft.com/office/powerpoint/2010/main" val="2695402290"/>
+      </p:ext>
+    </p:extLst>
+  </p:cSld>
+  <p:clrMapOvr>
+    <a:masterClrMapping/>
+  </p:clrMapOvr>
+</p:sld>
+</file>
+
+<file path=ppt/slides/slide3.xml><?xml version="1.0" encoding="utf-8"?>
+<p:sld xmlns:a="http://schemas.openxmlformats.org/drawingml/2006/main" xmlns:r="http://schemas.openxmlformats.org/officeDocument/2006/relationships" xmlns:p="http://schemas.openxmlformats.org/presentationml/2006/main">
+  <p:cSld>
+    <p:spTree>
+      <p:nvGrpSpPr>
+        <p:cNvPr id="1" name=""/>
+        <p:cNvGrpSpPr/>
+        <p:nvPr/>
+      </p:nvGrpSpPr>
+      <p:grpSpPr>
+        <a:xfrm>
+          <a:off x="0" y="0"/>
+          <a:ext cx="0" cy="0"/>
+          <a:chOff x="0" y="0"/>
+          <a:chExt cx="0" cy="0"/>
+        </a:xfrm>
+      </p:grpSpPr>
+      <p:pic>
+        <p:nvPicPr>
+          <p:cNvPr id="5" name="Picture 4">
+            <a:extLst>
+              <a:ext uri="{FF2B5EF4-FFF2-40B4-BE49-F238E27FC236}">
+                <a16:creationId xmlns:a16="http://schemas.microsoft.com/office/drawing/2014/main" id="{2B9ADC63-301D-F717-1C77-D7858CCFBFED}"/>
+              </a:ext>
+            </a:extLst>
+          </p:cNvPr>
+          <p:cNvPicPr>
+            <a:picLocks noChangeAspect="1"/>
+          </p:cNvPicPr>
+          <p:nvPr/>
+        </p:nvPicPr>
+        <p:blipFill>
+          <a:blip r:embed="rId2">
+            <a:duotone>
+              <a:schemeClr val="bg2">
+                <a:shade val="45000"/>
+                <a:satMod val="135000"/>
+              </a:schemeClr>
+              <a:prstClr val="white"/>
+            </a:duotone>
+          </a:blip>
+          <a:stretch>
+            <a:fillRect/>
+          </a:stretch>
+        </p:blipFill>
+        <p:spPr>
+          <a:xfrm>
+            <a:off x="1214589" y="1965833"/>
+            <a:ext cx="2926334" cy="2926334"/>
+          </a:xfrm>
+          <a:prstGeom prst="rect">
+            <a:avLst/>
+          </a:prstGeom>
+          <a:solidFill>
+            <a:srgbClr val="FFFFFF">
+              <a:shade val="85000"/>
+            </a:srgbClr>
+          </a:solidFill>
+          <a:ln w="88900" cap="sq">
+            <a:solidFill>
+              <a:srgbClr val="FFFFFF"/>
+            </a:solidFill>
+            <a:miter lim="800000"/>
+          </a:ln>
+          <a:effectLst>
+            <a:outerShdw blurRad="55000" dist="18000" dir="5400000" algn="tl" rotWithShape="0">
+              <a:srgbClr val="000000">
+                <a:alpha val="40000"/>
+              </a:srgbClr>
+            </a:outerShdw>
+          </a:effectLst>
+          <a:scene3d>
+            <a:camera prst="orthographicFront"/>
+            <a:lightRig rig="twoPt" dir="t">
+              <a:rot lat="0" lon="0" rev="7200000"/>
+            </a:lightRig>
+          </a:scene3d>
+          <a:sp3d>
+            <a:bevelT w="25400" h="19050"/>
+            <a:contourClr>
+              <a:srgbClr val="FFFFFF"/>
+            </a:contourClr>
+          </a:sp3d>
+        </p:spPr>
+      </p:pic>
+      <p:pic>
+        <p:nvPicPr>
+          <p:cNvPr id="6" name="Picture 5">
+            <a:extLst>
+              <a:ext uri="{FF2B5EF4-FFF2-40B4-BE49-F238E27FC236}">
+                <a16:creationId xmlns:a16="http://schemas.microsoft.com/office/drawing/2014/main" id="{161A9DB4-B6C8-3F1C-7576-E481C7367F8A}"/>
+              </a:ext>
+            </a:extLst>
+          </p:cNvPr>
+          <p:cNvPicPr>
+            <a:picLocks noChangeAspect="1"/>
+          </p:cNvPicPr>
+          <p:nvPr/>
+        </p:nvPicPr>
+        <p:blipFill>
+          <a:blip r:embed="rId2">
+            <a:duotone>
+              <a:schemeClr val="accent5">
+                <a:shade val="45000"/>
+                <a:satMod val="135000"/>
+              </a:schemeClr>
+              <a:prstClr val="white"/>
+            </a:duotone>
+          </a:blip>
+          <a:stretch>
+            <a:fillRect/>
+          </a:stretch>
+        </p:blipFill>
+        <p:spPr>
+          <a:xfrm>
+            <a:off x="4046621" y="-335534"/>
+            <a:ext cx="2926334" cy="2926334"/>
+          </a:xfrm>
+          <a:prstGeom prst="rect">
+            <a:avLst/>
+          </a:prstGeom>
+          <a:solidFill>
+            <a:srgbClr val="FFFFFF">
+              <a:shade val="85000"/>
+            </a:srgbClr>
+          </a:solidFill>
+          <a:ln w="88900" cap="sq">
+            <a:solidFill>
+              <a:srgbClr val="FFFFFF"/>
+            </a:solidFill>
+            <a:miter lim="800000"/>
+          </a:ln>
+          <a:effectLst>
+            <a:outerShdw blurRad="55000" dist="18000" dir="5400000" algn="tl" rotWithShape="0">
+              <a:srgbClr val="000000">
+                <a:alpha val="40000"/>
+              </a:srgbClr>
+            </a:outerShdw>
+          </a:effectLst>
+          <a:scene3d>
+            <a:camera prst="orthographicFront"/>
+            <a:lightRig rig="twoPt" dir="t">
+              <a:rot lat="0" lon="0" rev="7200000"/>
+            </a:lightRig>
+          </a:scene3d>
+          <a:sp3d>
+            <a:bevelT w="25400" h="19050"/>
+            <a:contourClr>
+              <a:srgbClr val="FFFFFF"/>
+            </a:contourClr>
+          </a:sp3d>
+        </p:spPr>
+      </p:pic>
+      <p:pic>
+        <p:nvPicPr>
+          <p:cNvPr id="7" name="Picture 6">
+            <a:extLst>
+              <a:ext uri="{FF2B5EF4-FFF2-40B4-BE49-F238E27FC236}">
+                <a16:creationId xmlns:a16="http://schemas.microsoft.com/office/drawing/2014/main" id="{19DC9181-24A4-8808-538A-450582BE168D}"/>
+              </a:ext>
+            </a:extLst>
+          </p:cNvPr>
+          <p:cNvPicPr>
+            <a:picLocks noChangeAspect="1"/>
+          </p:cNvPicPr>
+          <p:nvPr/>
+        </p:nvPicPr>
+        <p:blipFill>
+          <a:blip r:embed="rId2"/>
+          <a:stretch>
+            <a:fillRect/>
+          </a:stretch>
+        </p:blipFill>
+        <p:spPr>
+          <a:xfrm>
+            <a:off x="5329846" y="2804034"/>
+            <a:ext cx="2926334" cy="2926334"/>
+          </a:xfrm>
+          <a:prstGeom prst="rect">
+            <a:avLst/>
+          </a:prstGeom>
+          <a:solidFill>
+            <a:srgbClr val="FFFFFF">
+              <a:shade val="85000"/>
+            </a:srgbClr>
+          </a:solidFill>
+          <a:ln w="88900" cap="sq">
+            <a:solidFill>
+              <a:srgbClr val="FFFFFF"/>
+            </a:solidFill>
+            <a:miter lim="800000"/>
+          </a:ln>
+          <a:effectLst>
+            <a:outerShdw blurRad="55000" dist="18000" dir="5400000" algn="tl" rotWithShape="0">
+              <a:srgbClr val="000000">
+                <a:alpha val="40000"/>
+              </a:srgbClr>
+            </a:outerShdw>
+          </a:effectLst>
+          <a:scene3d>
+            <a:camera prst="orthographicFront"/>
+            <a:lightRig rig="twoPt" dir="t">
+              <a:rot lat="0" lon="0" rev="7200000"/>
+            </a:lightRig>
+          </a:scene3d>
+          <a:sp3d>
+            <a:bevelT w="25400" h="19050"/>
+            <a:contourClr>
+              <a:srgbClr val="FFFFFF"/>
+            </a:contourClr>
+          </a:sp3d>
+        </p:spPr>
+      </p:pic>
+      <p:pic>
+        <p:nvPicPr>
+          <p:cNvPr id="8" name="Picture 7">
+            <a:extLst>
+              <a:ext uri="{FF2B5EF4-FFF2-40B4-BE49-F238E27FC236}">
+                <a16:creationId xmlns:a16="http://schemas.microsoft.com/office/drawing/2014/main" id="{1F58833C-6E08-7C63-DBAE-09A6B6906962}"/>
+              </a:ext>
+            </a:extLst>
+          </p:cNvPr>
+          <p:cNvPicPr>
+            <a:picLocks noChangeAspect="1"/>
+          </p:cNvPicPr>
+          <p:nvPr/>
+        </p:nvPicPr>
+        <p:blipFill>
+          <a:blip r:embed="rId2">
+            <a:duotone>
+              <a:schemeClr val="accent1">
+                <a:shade val="45000"/>
+                <a:satMod val="135000"/>
+              </a:schemeClr>
+              <a:prstClr val="white"/>
+            </a:duotone>
+          </a:blip>
+          <a:stretch>
+            <a:fillRect/>
+          </a:stretch>
+        </p:blipFill>
+        <p:spPr>
+          <a:xfrm>
+            <a:off x="8939076" y="1577194"/>
+            <a:ext cx="2926334" cy="2926334"/>
+          </a:xfrm>
+          <a:prstGeom prst="rect">
+            <a:avLst/>
+          </a:prstGeom>
+          <a:solidFill>
+            <a:srgbClr val="FFFFFF">
+              <a:shade val="85000"/>
+            </a:srgbClr>
+          </a:solidFill>
+          <a:ln w="88900" cap="sq">
+            <a:solidFill>
+              <a:srgbClr val="FFFFFF"/>
+            </a:solidFill>
+            <a:miter lim="800000"/>
+          </a:ln>
+          <a:effectLst>
+            <a:outerShdw blurRad="55000" dist="18000" dir="5400000" algn="tl" rotWithShape="0">
+              <a:srgbClr val="000000">
+                <a:alpha val="40000"/>
+              </a:srgbClr>
+            </a:outerShdw>
+          </a:effectLst>
+          <a:scene3d>
+            <a:camera prst="orthographicFront"/>
+            <a:lightRig rig="twoPt" dir="t">
+              <a:rot lat="0" lon="0" rev="7200000"/>
+            </a:lightRig>
+          </a:scene3d>
+          <a:sp3d>
+            <a:bevelT w="25400" h="19050"/>
+            <a:contourClr>
+              <a:srgbClr val="FFFFFF"/>
+            </a:contourClr>
+          </a:sp3d>
+        </p:spPr>
+      </p:pic>
+    </p:spTree>
+    <p:extLst>
+      <p:ext uri="{BB962C8B-B14F-4D97-AF65-F5344CB8AC3E}">
+        <p14:creationId xmlns:p14="http://schemas.microsoft.com/office/powerpoint/2010/main" val="864658806"/>
+      </p:ext>
+    </p:extLst>
+  </p:cSld>
+  <p:clrMapOvr>
+    <a:masterClrMapping/>
+  </p:clrMapOvr>
+</p:sld>
+</file>
+
+<file path=ppt/slides/slide4.xml><?xml version="1.0" encoding="utf-8"?>
+<p:sld xmlns:a="http://schemas.openxmlformats.org/drawingml/2006/main" xmlns:r="http://schemas.openxmlformats.org/officeDocument/2006/relationships" xmlns:p="http://schemas.openxmlformats.org/presentationml/2006/main">
+  <p:cSld>
+    <p:spTree>
+      <p:nvGrpSpPr>
+        <p:cNvPr id="1" name=""/>
+        <p:cNvGrpSpPr/>
+        <p:nvPr/>
+      </p:nvGrpSpPr>
+      <p:grpSpPr>
+        <a:xfrm>
+          <a:off x="0" y="0"/>
+          <a:ext cx="0" cy="0"/>
+          <a:chOff x="0" y="0"/>
+          <a:chExt cx="0" cy="0"/>
+        </a:xfrm>
+      </p:grpSpPr>
+      <p:pic>
+        <p:nvPicPr>
+          <p:cNvPr id="5" name="Picture 4">
+            <a:extLst>
+              <a:ext uri="{FF2B5EF4-FFF2-40B4-BE49-F238E27FC236}">
+                <a16:creationId xmlns:a16="http://schemas.microsoft.com/office/drawing/2014/main" id="{EDA82378-C934-CB6B-65BB-D247615D0E59}"/>
+              </a:ext>
+            </a:extLst>
+          </p:cNvPr>
+          <p:cNvPicPr>
+            <a:picLocks noChangeAspect="1"/>
+          </p:cNvPicPr>
+          <p:nvPr/>
+        </p:nvPicPr>
+        <p:blipFill>
+          <a:blip r:embed="rId2">
+            <a:duotone>
+              <a:schemeClr val="bg2">
+                <a:shade val="45000"/>
+                <a:satMod val="135000"/>
+              </a:schemeClr>
+              <a:prstClr val="white"/>
+            </a:duotone>
+          </a:blip>
+          <a:stretch>
+            <a:fillRect/>
+          </a:stretch>
+        </p:blipFill>
+        <p:spPr>
+          <a:xfrm>
+            <a:off x="3575551" y="2543175"/>
+            <a:ext cx="2885179" cy="2891904"/>
+          </a:xfrm>
+          <a:prstGeom prst="rect">
+            <a:avLst/>
+          </a:prstGeom>
+          <a:solidFill>
+            <a:srgbClr val="FFFFFF">
+              <a:shade val="85000"/>
+            </a:srgbClr>
+          </a:solidFill>
+          <a:ln w="190500" cap="rnd">
+            <a:solidFill>
+              <a:srgbClr val="FFFFFF"/>
+            </a:solidFill>
+          </a:ln>
+          <a:effectLst>
+            <a:outerShdw blurRad="50000" algn="tl" rotWithShape="0">
+              <a:srgbClr val="000000">
+                <a:alpha val="41000"/>
+              </a:srgbClr>
+            </a:outerShdw>
+          </a:effectLst>
+          <a:scene3d>
+            <a:camera prst="orthographicFront"/>
+            <a:lightRig rig="twoPt" dir="t">
+              <a:rot lat="0" lon="0" rev="7800000"/>
+            </a:lightRig>
+          </a:scene3d>
+          <a:sp3d contourW="6350">
+            <a:bevelT w="50800" h="16510"/>
+            <a:contourClr>
+              <a:srgbClr val="C0C0C0"/>
+            </a:contourClr>
+          </a:sp3d>
+        </p:spPr>
+      </p:pic>
+      <p:pic>
+        <p:nvPicPr>
+          <p:cNvPr id="6" name="Picture 5">
+            <a:extLst>
+              <a:ext uri="{FF2B5EF4-FFF2-40B4-BE49-F238E27FC236}">
+                <a16:creationId xmlns:a16="http://schemas.microsoft.com/office/drawing/2014/main" id="{1089830C-6FBE-6925-D4F7-1F95B3F6604A}"/>
+              </a:ext>
+            </a:extLst>
+          </p:cNvPr>
+          <p:cNvPicPr>
+            <a:picLocks noChangeAspect="1"/>
+          </p:cNvPicPr>
+          <p:nvPr/>
+        </p:nvPicPr>
+        <p:blipFill>
+          <a:blip r:embed="rId2">
+            <a:duotone>
+              <a:schemeClr val="accent3">
+                <a:shade val="45000"/>
+                <a:satMod val="135000"/>
+              </a:schemeClr>
+              <a:prstClr val="white"/>
+            </a:duotone>
+          </a:blip>
+          <a:stretch>
+            <a:fillRect/>
+          </a:stretch>
+        </p:blipFill>
+        <p:spPr>
+          <a:xfrm>
+            <a:off x="7506830" y="2616640"/>
+            <a:ext cx="2885179" cy="2891904"/>
+          </a:xfrm>
+          <a:prstGeom prst="rect">
+            <a:avLst/>
+          </a:prstGeom>
+          <a:solidFill>
+            <a:srgbClr val="FFFFFF">
+              <a:shade val="85000"/>
+            </a:srgbClr>
+          </a:solidFill>
+          <a:ln w="190500" cap="rnd">
+            <a:solidFill>
+              <a:srgbClr val="FFFFFF"/>
+            </a:solidFill>
+          </a:ln>
+          <a:effectLst>
+            <a:outerShdw blurRad="50000" algn="tl" rotWithShape="0">
+              <a:srgbClr val="000000">
+                <a:alpha val="41000"/>
+              </a:srgbClr>
+            </a:outerShdw>
+          </a:effectLst>
+          <a:scene3d>
+            <a:camera prst="orthographicFront"/>
+            <a:lightRig rig="twoPt" dir="t">
+              <a:rot lat="0" lon="0" rev="7800000"/>
+            </a:lightRig>
+          </a:scene3d>
+          <a:sp3d contourW="6350">
+            <a:bevelT w="50800" h="16510"/>
+            <a:contourClr>
+              <a:srgbClr val="C0C0C0"/>
+            </a:contourClr>
+          </a:sp3d>
+        </p:spPr>
+      </p:pic>
+    </p:spTree>
+    <p:extLst>
+      <p:ext uri="{BB962C8B-B14F-4D97-AF65-F5344CB8AC3E}">
+        <p14:creationId xmlns:p14="http://schemas.microsoft.com/office/powerpoint/2010/main" val="873691389"/>
+      </p:ext>
+    </p:extLst>
+  </p:cSld>
+  <p:clrMapOvr>
+    <a:masterClrMapping/>
+  </p:clrMapOvr>
+</p:sld>
+</file>
+
+<file path=ppt/slides/slide5.xml><?xml version="1.0" encoding="utf-8"?>
+<p:sld xmlns:a="http://schemas.openxmlformats.org/drawingml/2006/main" xmlns:r="http://schemas.openxmlformats.org/officeDocument/2006/relationships" xmlns:p="http://schemas.openxmlformats.org/presentationml/2006/main">
+  <p:cSld>
+    <p:spTree>
+      <p:nvGrpSpPr>
+        <p:cNvPr id="1" name=""/>
+        <p:cNvGrpSpPr/>
+        <p:nvPr/>
+      </p:nvGrpSpPr>
+      <p:grpSpPr>
+        <a:xfrm>
+          <a:off x="0" y="0"/>
+          <a:ext cx="0" cy="0"/>
+          <a:chOff x="0" y="0"/>
+          <a:chExt cx="0" cy="0"/>
+        </a:xfrm>
+      </p:grpSpPr>
+      <p:pic>
+        <p:nvPicPr>
+          <p:cNvPr id="5" name="Picture 4">
+            <a:extLst>
+              <a:ext uri="{FF2B5EF4-FFF2-40B4-BE49-F238E27FC236}">
+                <a16:creationId xmlns:a16="http://schemas.microsoft.com/office/drawing/2014/main" id="{D463C75F-78AA-DB4A-3FC2-71A86AAA34BA}"/>
+              </a:ext>
+            </a:extLst>
+          </p:cNvPr>
+          <p:cNvPicPr>
+            <a:picLocks noChangeAspect="1"/>
+          </p:cNvPicPr>
+          <p:nvPr/>
+        </p:nvPicPr>
+        <p:blipFill>
+          <a:blip r:embed="rId2">
+            <a:duotone>
+              <a:schemeClr val="accent5">
+                <a:shade val="45000"/>
+                <a:satMod val="135000"/>
+              </a:schemeClr>
+              <a:prstClr val="white"/>
+            </a:duotone>
+          </a:blip>
+          <a:stretch>
+            <a:fillRect/>
+          </a:stretch>
+        </p:blipFill>
+        <p:spPr>
+          <a:xfrm>
+            <a:off x="4520047" y="1853047"/>
+            <a:ext cx="3151905" cy="3151905"/>
+          </a:xfrm>
+          <a:prstGeom prst="rect">
+            <a:avLst/>
+          </a:prstGeom>
+          <a:solidFill>
+            <a:srgbClr val="FFFFFF">
+              <a:shade val="85000"/>
+            </a:srgbClr>
+          </a:solidFill>
+          <a:ln w="190500" cap="rnd">
+            <a:solidFill>
+              <a:srgbClr val="FFFFFF"/>
+            </a:solidFill>
+          </a:ln>
+          <a:effectLst>
+            <a:outerShdw blurRad="50000" algn="tl" rotWithShape="0">
+              <a:srgbClr val="000000">
+                <a:alpha val="41000"/>
+              </a:srgbClr>
+            </a:outerShdw>
+          </a:effectLst>
+          <a:scene3d>
+            <a:camera prst="orthographicFront"/>
+            <a:lightRig rig="twoPt" dir="t">
+              <a:rot lat="0" lon="0" rev="7800000"/>
+            </a:lightRig>
+          </a:scene3d>
+          <a:sp3d contourW="6350">
+            <a:bevelT w="50800" h="16510"/>
+            <a:contourClr>
+              <a:srgbClr val="C0C0C0"/>
+            </a:contourClr>
+          </a:sp3d>
+        </p:spPr>
+      </p:pic>
+    </p:spTree>
+    <p:extLst>
+      <p:ext uri="{BB962C8B-B14F-4D97-AF65-F5344CB8AC3E}">
+        <p14:creationId xmlns:p14="http://schemas.microsoft.com/office/powerpoint/2010/main" val="3246428782"/>
+      </p:ext>
+    </p:extLst>
+  </p:cSld>
+  <p:clrMapOvr>
+    <a:masterClrMapping/>
+  </p:clrMapOvr>
+</p:sld>
+</file>
+
+<file path=ppt/slides/slide6.xml><?xml version="1.0" encoding="utf-8"?>
+<p:sld xmlns:a="http://schemas.openxmlformats.org/drawingml/2006/main" xmlns:r="http://schemas.openxmlformats.org/officeDocument/2006/relationships" xmlns:p="http://schemas.openxmlformats.org/presentationml/2006/main">
+  <p:cSld>
+    <p:spTree>
+      <p:nvGrpSpPr>
+        <p:cNvPr id="1" name=""/>
+        <p:cNvGrpSpPr/>
+        <p:nvPr/>
+      </p:nvGrpSpPr>
+      <p:grpSpPr>
+        <a:xfrm>
+          <a:off x="0" y="0"/>
+          <a:ext cx="0" cy="0"/>
+          <a:chOff x="0" y="0"/>
+          <a:chExt cx="0" cy="0"/>
+        </a:xfrm>
+      </p:grpSpPr>
+      <p:pic>
+        <p:nvPicPr>
+          <p:cNvPr id="5" name="Picture 4">
+            <a:extLst>
+              <a:ext uri="{FF2B5EF4-FFF2-40B4-BE49-F238E27FC236}">
+                <a16:creationId xmlns:a16="http://schemas.microsoft.com/office/drawing/2014/main" id="{31B594A1-134E-5CCB-1625-425AB2ED8677}"/>
+              </a:ext>
+            </a:extLst>
+          </p:cNvPr>
+          <p:cNvPicPr>
+            <a:picLocks noChangeAspect="1"/>
+          </p:cNvPicPr>
+          <p:nvPr/>
+        </p:nvPicPr>
+        <p:blipFill>
+          <a:blip r:embed="rId2">
+            <a:duotone>
+              <a:schemeClr val="accent1">
+                <a:shade val="45000"/>
+                <a:satMod val="135000"/>
+              </a:schemeClr>
+              <a:prstClr val="white"/>
+            </a:duotone>
+          </a:blip>
+          <a:stretch>
+            <a:fillRect/>
+          </a:stretch>
+        </p:blipFill>
+        <p:spPr>
+          <a:xfrm>
+            <a:off x="2206147" y="1647825"/>
+            <a:ext cx="3478476" cy="3487396"/>
+          </a:xfrm>
+          <a:prstGeom prst="rect">
+            <a:avLst/>
+          </a:prstGeom>
+          <a:solidFill>
+            <a:srgbClr val="FFFFFF">
+              <a:shade val="85000"/>
+            </a:srgbClr>
+          </a:solidFill>
+          <a:ln w="190500" cap="rnd">
+            <a:solidFill>
+              <a:srgbClr val="FFFFFF"/>
+            </a:solidFill>
+          </a:ln>
+          <a:effectLst>
+            <a:outerShdw blurRad="50000" algn="tl" rotWithShape="0">
+              <a:srgbClr val="000000">
+                <a:alpha val="41000"/>
+              </a:srgbClr>
+            </a:outerShdw>
+          </a:effectLst>
+          <a:scene3d>
+            <a:camera prst="orthographicFront"/>
+            <a:lightRig rig="twoPt" dir="t">
+              <a:rot lat="0" lon="0" rev="7800000"/>
+            </a:lightRig>
+          </a:scene3d>
+          <a:sp3d contourW="6350">
+            <a:bevelT w="50800" h="16510"/>
+            <a:contourClr>
+              <a:srgbClr val="C0C0C0"/>
+            </a:contourClr>
+          </a:sp3d>
+        </p:spPr>
+      </p:pic>
+      <p:pic>
+        <p:nvPicPr>
+          <p:cNvPr id="6" name="Picture 5">
+            <a:extLst>
+              <a:ext uri="{FF2B5EF4-FFF2-40B4-BE49-F238E27FC236}">
+                <a16:creationId xmlns:a16="http://schemas.microsoft.com/office/drawing/2014/main" id="{2EA83597-09EB-0110-1765-02C0914FA5C1}"/>
+              </a:ext>
+            </a:extLst>
+          </p:cNvPr>
+          <p:cNvPicPr>
+            <a:picLocks noChangeAspect="1"/>
+          </p:cNvPicPr>
+          <p:nvPr/>
+        </p:nvPicPr>
+        <p:blipFill>
+          <a:blip r:embed="rId2">
+            <a:duotone>
+              <a:schemeClr val="accent2">
+                <a:shade val="45000"/>
+                <a:satMod val="135000"/>
+              </a:schemeClr>
+              <a:prstClr val="white"/>
+            </a:duotone>
+          </a:blip>
+          <a:stretch>
+            <a:fillRect/>
+          </a:stretch>
+        </p:blipFill>
+        <p:spPr>
+          <a:xfrm>
+            <a:off x="3540532" y="2644272"/>
+            <a:ext cx="3478476" cy="3487396"/>
+          </a:xfrm>
+          <a:prstGeom prst="rect">
+            <a:avLst/>
+          </a:prstGeom>
+          <a:solidFill>
+            <a:srgbClr val="FFFFFF">
+              <a:shade val="85000"/>
+            </a:srgbClr>
+          </a:solidFill>
+          <a:ln w="190500" cap="rnd">
+            <a:solidFill>
+              <a:srgbClr val="FFFFFF"/>
+            </a:solidFill>
+          </a:ln>
+          <a:effectLst>
+            <a:outerShdw blurRad="50000" algn="tl" rotWithShape="0">
+              <a:srgbClr val="000000">
+                <a:alpha val="41000"/>
+              </a:srgbClr>
+            </a:outerShdw>
+          </a:effectLst>
+          <a:scene3d>
+            <a:camera prst="orthographicFront"/>
+            <a:lightRig rig="twoPt" dir="t">
+              <a:rot lat="0" lon="0" rev="7800000"/>
+            </a:lightRig>
+          </a:scene3d>
+          <a:sp3d contourW="6350">
+            <a:bevelT w="50800" h="16510"/>
+            <a:contourClr>
+              <a:srgbClr val="C0C0C0"/>
+            </a:contourClr>
+          </a:sp3d>
+        </p:spPr>
+      </p:pic>
+      <p:pic>
+        <p:nvPicPr>
+          <p:cNvPr id="7" name="Picture 6">
+            <a:extLst>
+              <a:ext uri="{FF2B5EF4-FFF2-40B4-BE49-F238E27FC236}">
+                <a16:creationId xmlns:a16="http://schemas.microsoft.com/office/drawing/2014/main" id="{745A6FBE-7511-6717-0162-57DEBBF7F2C4}"/>
+              </a:ext>
+            </a:extLst>
+          </p:cNvPr>
+          <p:cNvPicPr>
+            <a:picLocks noChangeAspect="1"/>
+          </p:cNvPicPr>
+          <p:nvPr/>
+        </p:nvPicPr>
+        <p:blipFill>
+          <a:blip r:embed="rId2">
+            <a:duotone>
+              <a:schemeClr val="accent6">
+                <a:shade val="45000"/>
+                <a:satMod val="135000"/>
+              </a:schemeClr>
+              <a:prstClr val="white"/>
+            </a:duotone>
+          </a:blip>
+          <a:stretch>
+            <a:fillRect/>
+          </a:stretch>
+        </p:blipFill>
+        <p:spPr>
+          <a:xfrm>
+            <a:off x="-489428" y="-173319"/>
+            <a:ext cx="3478476" cy="3487396"/>
+          </a:xfrm>
+          <a:prstGeom prst="rect">
+            <a:avLst/>
+          </a:prstGeom>
+          <a:solidFill>
+            <a:srgbClr val="FFFFFF">
+              <a:shade val="85000"/>
+            </a:srgbClr>
+          </a:solidFill>
+          <a:ln w="190500" cap="rnd">
+            <a:solidFill>
+              <a:srgbClr val="FFFFFF"/>
+            </a:solidFill>
+          </a:ln>
+          <a:effectLst>
+            <a:outerShdw blurRad="50000" algn="tl" rotWithShape="0">
+              <a:srgbClr val="000000">
+                <a:alpha val="41000"/>
+              </a:srgbClr>
+            </a:outerShdw>
+          </a:effectLst>
+          <a:scene3d>
+            <a:camera prst="orthographicFront"/>
+            <a:lightRig rig="twoPt" dir="t">
+              <a:rot lat="0" lon="0" rev="7800000"/>
+            </a:lightRig>
+          </a:scene3d>
+          <a:sp3d contourW="6350">
+            <a:bevelT w="50800" h="16510"/>
+            <a:contourClr>
+              <a:srgbClr val="C0C0C0"/>
+            </a:contourClr>
+          </a:sp3d>
+        </p:spPr>
+      </p:pic>
+      <p:pic>
+        <p:nvPicPr>
+          <p:cNvPr id="8" name="Picture 7">
+            <a:extLst>
+              <a:ext uri="{FF2B5EF4-FFF2-40B4-BE49-F238E27FC236}">
+                <a16:creationId xmlns:a16="http://schemas.microsoft.com/office/drawing/2014/main" id="{FA89955A-D0FA-F6F4-7CC9-0D2DE607828E}"/>
+              </a:ext>
+            </a:extLst>
+          </p:cNvPr>
+          <p:cNvPicPr>
+            <a:picLocks noChangeAspect="1"/>
+          </p:cNvPicPr>
+          <p:nvPr/>
+        </p:nvPicPr>
+        <p:blipFill>
+          <a:blip r:embed="rId3">
+            <a:duotone>
+              <a:prstClr val="black"/>
+              <a:srgbClr val="FFC000">
+                <a:tint val="45000"/>
+                <a:satMod val="400000"/>
+              </a:srgbClr>
+            </a:duotone>
+            <a:extLst>
+              <a:ext uri="{BEBA8EAE-BF5A-486C-A8C5-ECC9F3942E4B}">
+                <a14:imgProps xmlns:a14="http://schemas.microsoft.com/office/drawing/2010/main">
+                  <a14:imgLayer r:embed="rId4">
+                    <a14:imgEffect>
+                      <a14:artisticPhotocopy/>
+                    </a14:imgEffect>
+                  </a14:imgLayer>
+                </a14:imgProps>
+              </a:ext>
+            </a:extLst>
+          </a:blip>
+          <a:stretch>
+            <a:fillRect/>
+          </a:stretch>
+        </p:blipFill>
+        <p:spPr>
+          <a:xfrm>
+            <a:off x="7509688" y="705019"/>
+            <a:ext cx="3478476" cy="3487396"/>
+          </a:xfrm>
+          <a:prstGeom prst="rect">
+            <a:avLst/>
+          </a:prstGeom>
+          <a:solidFill>
+            <a:srgbClr val="FFFFFF">
+              <a:shade val="85000"/>
+            </a:srgbClr>
+          </a:solidFill>
+          <a:ln w="190500" cap="rnd">
+            <a:solidFill>
+              <a:srgbClr val="FFFFFF"/>
+            </a:solidFill>
+          </a:ln>
+          <a:effectLst>
+            <a:outerShdw blurRad="50000" algn="tl" rotWithShape="0">
+              <a:srgbClr val="000000">
+                <a:alpha val="41000"/>
+              </a:srgbClr>
+            </a:outerShdw>
+          </a:effectLst>
+          <a:scene3d>
+            <a:camera prst="orthographicFront"/>
+            <a:lightRig rig="twoPt" dir="t">
+              <a:rot lat="0" lon="0" rev="7800000"/>
+            </a:lightRig>
+          </a:scene3d>
+          <a:sp3d contourW="6350">
+            <a:bevelT w="50800" h="16510"/>
+            <a:contourClr>
+              <a:srgbClr val="C0C0C0"/>
+            </a:contourClr>
+          </a:sp3d>
+        </p:spPr>
+      </p:pic>
+    </p:spTree>
+    <p:extLst>
+      <p:ext uri="{BB962C8B-B14F-4D97-AF65-F5344CB8AC3E}">
+        <p14:creationId xmlns:p14="http://schemas.microsoft.com/office/powerpoint/2010/main" val="2042393831"/>
+      </p:ext>
+    </p:extLst>
+  </p:cSld>
+  <p:clrMapOvr>
+    <a:masterClrMapping/>
+  </p:clrMapOvr>
+</p:sld>
+</file>
+
+<file path=ppt/slides/slide7.xml><?xml version="1.0" encoding="utf-8"?>
+<p:sld xmlns:a="http://schemas.openxmlformats.org/drawingml/2006/main" xmlns:r="http://schemas.openxmlformats.org/officeDocument/2006/relationships" xmlns:p="http://schemas.openxmlformats.org/presentationml/2006/main">
+  <p:cSld>
+    <p:spTree>
+      <p:nvGrpSpPr>
+        <p:cNvPr id="1" name=""/>
+        <p:cNvGrpSpPr/>
+        <p:nvPr/>
+      </p:nvGrpSpPr>
+      <p:grpSpPr>
+        <a:xfrm>
+          <a:off x="0" y="0"/>
+          <a:ext cx="0" cy="0"/>
+          <a:chOff x="0" y="0"/>
+          <a:chExt cx="0" cy="0"/>
+        </a:xfrm>
+      </p:grpSpPr>
+      <p:pic>
+        <p:nvPicPr>
+          <p:cNvPr id="5" name="Picture 4">
+            <a:extLst>
+              <a:ext uri="{FF2B5EF4-FFF2-40B4-BE49-F238E27FC236}">
+                <a16:creationId xmlns:a16="http://schemas.microsoft.com/office/drawing/2014/main" id="{59E680A7-96BC-A6F7-52E2-19AF403EB84C}"/>
+              </a:ext>
+            </a:extLst>
+          </p:cNvPr>
+          <p:cNvPicPr>
+            <a:picLocks noChangeAspect="1"/>
+          </p:cNvPicPr>
+          <p:nvPr/>
+        </p:nvPicPr>
+        <p:blipFill>
+          <a:blip r:embed="rId2">
+            <a:duotone>
+              <a:prstClr val="black"/>
+              <a:srgbClr val="663300">
+                <a:tint val="45000"/>
+                <a:satMod val="400000"/>
+              </a:srgbClr>
+            </a:duotone>
+            <a:extLst>
+              <a:ext uri="{BEBA8EAE-BF5A-486C-A8C5-ECC9F3942E4B}">
+                <a14:imgProps xmlns:a14="http://schemas.microsoft.com/office/drawing/2010/main">
+                  <a14:imgLayer r:embed="rId3">
+                    <a14:imgEffect>
+                      <a14:artisticPhotocopy/>
+                    </a14:imgEffect>
+                  </a14:imgLayer>
+                </a14:imgProps>
+              </a:ext>
+            </a:extLst>
+          </a:blip>
+          <a:stretch>
+            <a:fillRect/>
+          </a:stretch>
+        </p:blipFill>
+        <p:spPr>
+          <a:xfrm>
+            <a:off x="4821825" y="2154825"/>
+            <a:ext cx="2548349" cy="2548349"/>
+          </a:xfrm>
+          <a:prstGeom prst="rect">
+            <a:avLst/>
+          </a:prstGeom>
+          <a:solidFill>
+            <a:srgbClr val="FFFFFF">
+              <a:shade val="85000"/>
+            </a:srgbClr>
+          </a:solidFill>
+          <a:ln w="190500" cap="rnd">
+            <a:solidFill>
+              <a:srgbClr val="FFFFFF"/>
+            </a:solidFill>
+          </a:ln>
+          <a:effectLst>
+            <a:outerShdw blurRad="50000" algn="tl" rotWithShape="0">
+              <a:srgbClr val="000000">
+                <a:alpha val="41000"/>
+              </a:srgbClr>
+            </a:outerShdw>
+          </a:effectLst>
+          <a:scene3d>
+            <a:camera prst="orthographicFront"/>
+            <a:lightRig rig="twoPt" dir="t">
+              <a:rot lat="0" lon="0" rev="7800000"/>
+            </a:lightRig>
+          </a:scene3d>
+          <a:sp3d contourW="6350">
+            <a:bevelT w="50800" h="16510"/>
+            <a:contourClr>
+              <a:srgbClr val="C0C0C0"/>
+            </a:contourClr>
+          </a:sp3d>
+        </p:spPr>
+      </p:pic>
+      <p:pic>
+        <p:nvPicPr>
+          <p:cNvPr id="6" name="Picture 5">
+            <a:extLst>
+              <a:ext uri="{FF2B5EF4-FFF2-40B4-BE49-F238E27FC236}">
+                <a16:creationId xmlns:a16="http://schemas.microsoft.com/office/drawing/2014/main" id="{AAA50C47-A316-2A7F-F797-8BED6019F0D9}"/>
+              </a:ext>
+            </a:extLst>
+          </p:cNvPr>
+          <p:cNvPicPr>
+            <a:picLocks noChangeAspect="1"/>
+          </p:cNvPicPr>
+          <p:nvPr/>
+        </p:nvPicPr>
+        <p:blipFill>
+          <a:blip r:embed="rId2">
+            <a:duotone>
+              <a:schemeClr val="bg2">
+                <a:shade val="45000"/>
+                <a:satMod val="135000"/>
+              </a:schemeClr>
+              <a:prstClr val="white"/>
+            </a:duotone>
+            <a:extLst>
+              <a:ext uri="{BEBA8EAE-BF5A-486C-A8C5-ECC9F3942E4B}">
+                <a14:imgProps xmlns:a14="http://schemas.microsoft.com/office/drawing/2010/main">
+                  <a14:imgLayer r:embed="rId3">
+                    <a14:imgEffect>
+                      <a14:artisticPhotocopy/>
+                    </a14:imgEffect>
+                  </a14:imgLayer>
+                </a14:imgProps>
+              </a:ext>
+            </a:extLst>
+          </a:blip>
+          <a:stretch>
+            <a:fillRect/>
+          </a:stretch>
+        </p:blipFill>
+        <p:spPr>
+          <a:xfrm>
+            <a:off x="1099342" y="1619162"/>
+            <a:ext cx="2548349" cy="2548349"/>
+          </a:xfrm>
+          <a:prstGeom prst="rect">
+            <a:avLst/>
+          </a:prstGeom>
+          <a:solidFill>
+            <a:srgbClr val="FFFFFF">
+              <a:shade val="85000"/>
+            </a:srgbClr>
+          </a:solidFill>
+          <a:ln w="190500" cap="rnd">
+            <a:solidFill>
+              <a:srgbClr val="FFFFFF"/>
+            </a:solidFill>
+          </a:ln>
+          <a:effectLst>
+            <a:outerShdw blurRad="50000" algn="tl" rotWithShape="0">
+              <a:srgbClr val="000000">
+                <a:alpha val="41000"/>
+              </a:srgbClr>
+            </a:outerShdw>
+          </a:effectLst>
+          <a:scene3d>
+            <a:camera prst="orthographicFront"/>
+            <a:lightRig rig="twoPt" dir="t">
+              <a:rot lat="0" lon="0" rev="7800000"/>
+            </a:lightRig>
+          </a:scene3d>
+          <a:sp3d contourW="6350">
+            <a:bevelT w="50800" h="16510"/>
+            <a:contourClr>
+              <a:srgbClr val="C0C0C0"/>
+            </a:contourClr>
+          </a:sp3d>
+        </p:spPr>
+      </p:pic>
+    </p:spTree>
+    <p:extLst>
+      <p:ext uri="{BB962C8B-B14F-4D97-AF65-F5344CB8AC3E}">
+        <p14:creationId xmlns:p14="http://schemas.microsoft.com/office/powerpoint/2010/main" val="2438365349"/>
+      </p:ext>
+    </p:extLst>
+  </p:cSld>
+  <p:clrMapOvr>
+    <a:masterClrMapping/>
+  </p:clrMapOvr>
+</p:sld>
+</file>
+
+<file path=ppt/slides/slide8.xml><?xml version="1.0" encoding="utf-8"?>
+<p:sld xmlns:a="http://schemas.openxmlformats.org/drawingml/2006/main" xmlns:r="http://schemas.openxmlformats.org/officeDocument/2006/relationships" xmlns:p="http://schemas.openxmlformats.org/presentationml/2006/main">
+  <p:cSld>
+    <p:spTree>
+      <p:nvGrpSpPr>
+        <p:cNvPr id="1" name=""/>
+        <p:cNvGrpSpPr/>
+        <p:nvPr/>
+      </p:nvGrpSpPr>
+      <p:grpSpPr>
+        <a:xfrm>
+          <a:off x="0" y="0"/>
+          <a:ext cx="0" cy="0"/>
+          <a:chOff x="0" y="0"/>
+          <a:chExt cx="0" cy="0"/>
+        </a:xfrm>
+      </p:grpSpPr>
+      <p:pic>
+        <p:nvPicPr>
+          <p:cNvPr id="13" name="Picture 12">
+            <a:extLst>
+              <a:ext uri="{FF2B5EF4-FFF2-40B4-BE49-F238E27FC236}">
+                <a16:creationId xmlns:a16="http://schemas.microsoft.com/office/drawing/2014/main" id="{251E1A55-B346-2BC1-2B5C-DA01D7D022FC}"/>
+              </a:ext>
+            </a:extLst>
+          </p:cNvPr>
+          <p:cNvPicPr>
+            <a:picLocks noChangeAspect="1"/>
+          </p:cNvPicPr>
+          <p:nvPr/>
+        </p:nvPicPr>
+        <p:blipFill>
+          <a:blip r:embed="rId2">
+            <a:duotone>
+              <a:schemeClr val="accent2">
+                <a:shade val="45000"/>
+                <a:satMod val="135000"/>
+              </a:schemeClr>
+              <a:prstClr val="white"/>
+            </a:duotone>
+          </a:blip>
+          <a:stretch>
+            <a:fillRect/>
+          </a:stretch>
+        </p:blipFill>
+        <p:spPr>
+          <a:xfrm>
+            <a:off x="7064680" y="3222321"/>
+            <a:ext cx="1757880" cy="1757880"/>
+          </a:xfrm>
+          <a:prstGeom prst="rect">
+            <a:avLst/>
+          </a:prstGeom>
+          <a:solidFill>
+            <a:srgbClr val="FFFFFF">
+              <a:shade val="85000"/>
+            </a:srgbClr>
+          </a:solidFill>
+          <a:ln w="190500" cap="rnd">
+            <a:solidFill>
+              <a:srgbClr val="FFFFFF"/>
+            </a:solidFill>
+          </a:ln>
+          <a:effectLst>
+            <a:outerShdw blurRad="50000" algn="tl" rotWithShape="0">
+              <a:srgbClr val="000000">
+                <a:alpha val="41000"/>
+              </a:srgbClr>
+            </a:outerShdw>
+          </a:effectLst>
+          <a:scene3d>
+            <a:camera prst="orthographicFront"/>
+            <a:lightRig rig="twoPt" dir="t">
+              <a:rot lat="0" lon="0" rev="7800000"/>
+            </a:lightRig>
+          </a:scene3d>
+          <a:sp3d contourW="6350">
+            <a:bevelT w="50800" h="16510"/>
+            <a:contourClr>
+              <a:srgbClr val="C0C0C0"/>
+            </a:contourClr>
+          </a:sp3d>
+        </p:spPr>
+      </p:pic>
+      <p:pic>
+        <p:nvPicPr>
+          <p:cNvPr id="15" name="Picture 14">
+            <a:extLst>
+              <a:ext uri="{FF2B5EF4-FFF2-40B4-BE49-F238E27FC236}">
+                <a16:creationId xmlns:a16="http://schemas.microsoft.com/office/drawing/2014/main" id="{9D251272-FA06-91AC-D437-5CB387AAFAF1}"/>
+              </a:ext>
+            </a:extLst>
+          </p:cNvPr>
+          <p:cNvPicPr>
+            <a:picLocks noChangeAspect="1"/>
+          </p:cNvPicPr>
+          <p:nvPr/>
+        </p:nvPicPr>
+        <p:blipFill>
+          <a:blip r:embed="rId3">
+            <a:duotone>
+              <a:prstClr val="black"/>
+              <a:srgbClr val="FFFF00">
+                <a:tint val="45000"/>
+                <a:satMod val="400000"/>
+              </a:srgbClr>
+            </a:duotone>
+            <a:extLst>
+              <a:ext uri="{BEBA8EAE-BF5A-486C-A8C5-ECC9F3942E4B}">
+                <a14:imgProps xmlns:a14="http://schemas.microsoft.com/office/drawing/2010/main">
+                  <a14:imgLayer r:embed="rId4">
+                    <a14:imgEffect>
+                      <a14:artisticPlasticWrap/>
+                    </a14:imgEffect>
+                  </a14:imgLayer>
+                </a14:imgProps>
+              </a:ext>
+            </a:extLst>
+          </a:blip>
+          <a:stretch>
+            <a:fillRect/>
+          </a:stretch>
+        </p:blipFill>
+        <p:spPr>
+          <a:xfrm>
+            <a:off x="4315445" y="3222321"/>
+            <a:ext cx="1757880" cy="1757880"/>
+          </a:xfrm>
+          <a:prstGeom prst="rect">
+            <a:avLst/>
+          </a:prstGeom>
+          <a:solidFill>
+            <a:srgbClr val="FFFFFF">
+              <a:shade val="85000"/>
+            </a:srgbClr>
+          </a:solidFill>
+          <a:ln w="190500" cap="rnd">
+            <a:solidFill>
+              <a:srgbClr val="FFFFFF"/>
+            </a:solidFill>
+          </a:ln>
+          <a:effectLst>
+            <a:outerShdw blurRad="50000" algn="tl" rotWithShape="0">
+              <a:srgbClr val="000000">
+                <a:alpha val="41000"/>
+              </a:srgbClr>
+            </a:outerShdw>
+          </a:effectLst>
+          <a:scene3d>
+            <a:camera prst="orthographicFront"/>
+            <a:lightRig rig="twoPt" dir="t">
+              <a:rot lat="0" lon="0" rev="7800000"/>
+            </a:lightRig>
+          </a:scene3d>
+          <a:sp3d contourW="6350">
+            <a:bevelT w="50800" h="16510"/>
+            <a:contourClr>
+              <a:srgbClr val="C0C0C0"/>
+            </a:contourClr>
+          </a:sp3d>
+        </p:spPr>
+      </p:pic>
+      <p:pic>
+        <p:nvPicPr>
+          <p:cNvPr id="17" name="Picture 16">
+            <a:extLst>
+              <a:ext uri="{FF2B5EF4-FFF2-40B4-BE49-F238E27FC236}">
+                <a16:creationId xmlns:a16="http://schemas.microsoft.com/office/drawing/2014/main" id="{77906082-FA04-57A3-6D73-2C6B80C671DA}"/>
+              </a:ext>
+            </a:extLst>
+          </p:cNvPr>
+          <p:cNvPicPr>
+            <a:picLocks noChangeAspect="1"/>
+          </p:cNvPicPr>
+          <p:nvPr/>
+        </p:nvPicPr>
+        <p:blipFill>
+          <a:blip r:embed="rId5">
+            <a:duotone>
+              <a:schemeClr val="accent4">
+                <a:shade val="45000"/>
+                <a:satMod val="135000"/>
+              </a:schemeClr>
+              <a:prstClr val="white"/>
+            </a:duotone>
+          </a:blip>
+          <a:stretch>
+            <a:fillRect/>
+          </a:stretch>
+        </p:blipFill>
+        <p:spPr>
+          <a:xfrm>
+            <a:off x="4670080" y="786064"/>
+            <a:ext cx="1757880" cy="1757880"/>
+          </a:xfrm>
+          <a:prstGeom prst="rect">
+            <a:avLst/>
+          </a:prstGeom>
+          <a:solidFill>
+            <a:srgbClr val="FFFFFF">
+              <a:shade val="85000"/>
+            </a:srgbClr>
+          </a:solidFill>
+          <a:ln w="190500" cap="rnd">
+            <a:solidFill>
+              <a:srgbClr val="FFFFFF"/>
+            </a:solidFill>
+          </a:ln>
+          <a:effectLst>
+            <a:outerShdw blurRad="50000" algn="tl" rotWithShape="0">
+              <a:srgbClr val="000000">
+                <a:alpha val="41000"/>
+              </a:srgbClr>
+            </a:outerShdw>
+          </a:effectLst>
+          <a:scene3d>
+            <a:camera prst="orthographicFront"/>
+            <a:lightRig rig="twoPt" dir="t">
+              <a:rot lat="0" lon="0" rev="7800000"/>
+            </a:lightRig>
+          </a:scene3d>
+          <a:sp3d contourW="6350">
+            <a:bevelT w="50800" h="16510"/>
+            <a:contourClr>
+              <a:srgbClr val="C0C0C0"/>
+            </a:contourClr>
+          </a:sp3d>
+        </p:spPr>
+      </p:pic>
+      <p:pic>
+        <p:nvPicPr>
+          <p:cNvPr id="19" name="Picture 18">
+            <a:extLst>
+              <a:ext uri="{FF2B5EF4-FFF2-40B4-BE49-F238E27FC236}">
+                <a16:creationId xmlns:a16="http://schemas.microsoft.com/office/drawing/2014/main" id="{4BA72C5D-10D8-CC0D-98DC-3BBA0E15D4FA}"/>
+              </a:ext>
+            </a:extLst>
+          </p:cNvPr>
+          <p:cNvPicPr>
+            <a:picLocks noChangeAspect="1"/>
+          </p:cNvPicPr>
+          <p:nvPr/>
+        </p:nvPicPr>
+        <p:blipFill>
+          <a:blip r:embed="rId6">
+            <a:duotone>
+              <a:schemeClr val="accent3">
+                <a:shade val="45000"/>
+                <a:satMod val="135000"/>
+              </a:schemeClr>
+              <a:prstClr val="white"/>
+            </a:duotone>
+          </a:blip>
+          <a:stretch>
+            <a:fillRect/>
+          </a:stretch>
+        </p:blipFill>
+        <p:spPr>
+          <a:xfrm>
+            <a:off x="7064681" y="1366281"/>
+            <a:ext cx="1757880" cy="1757880"/>
+          </a:xfrm>
+          <a:prstGeom prst="rect">
+            <a:avLst/>
+          </a:prstGeom>
+          <a:solidFill>
+            <a:srgbClr val="FFFFFF">
+              <a:shade val="85000"/>
+            </a:srgbClr>
+          </a:solidFill>
+          <a:ln w="190500" cap="rnd">
+            <a:solidFill>
+              <a:srgbClr val="FFFFFF"/>
+            </a:solidFill>
+          </a:ln>
+          <a:effectLst>
+            <a:outerShdw blurRad="50000" algn="tl" rotWithShape="0">
+              <a:srgbClr val="000000">
+                <a:alpha val="41000"/>
+              </a:srgbClr>
+            </a:outerShdw>
+          </a:effectLst>
+          <a:scene3d>
+            <a:camera prst="orthographicFront"/>
+            <a:lightRig rig="twoPt" dir="t">
+              <a:rot lat="0" lon="0" rev="7800000"/>
+            </a:lightRig>
+          </a:scene3d>
+          <a:sp3d contourW="6350">
+            <a:bevelT w="50800" h="16510"/>
+            <a:contourClr>
+              <a:srgbClr val="C0C0C0"/>
+            </a:contourClr>
+          </a:sp3d>
+        </p:spPr>
+      </p:pic>
+      <p:pic>
+        <p:nvPicPr>
+          <p:cNvPr id="21" name="Picture 20">
+            <a:extLst>
+              <a:ext uri="{FF2B5EF4-FFF2-40B4-BE49-F238E27FC236}">
+                <a16:creationId xmlns:a16="http://schemas.microsoft.com/office/drawing/2014/main" id="{714FFC97-681D-2CCA-078C-2F51430F0A40}"/>
+              </a:ext>
+            </a:extLst>
+          </p:cNvPr>
+          <p:cNvPicPr>
+            <a:picLocks noChangeAspect="1"/>
+          </p:cNvPicPr>
+          <p:nvPr/>
+        </p:nvPicPr>
+        <p:blipFill>
+          <a:blip r:embed="rId7">
+            <a:duotone>
+              <a:schemeClr val="accent6">
+                <a:shade val="45000"/>
+                <a:satMod val="135000"/>
+              </a:schemeClr>
+              <a:prstClr val="white"/>
+            </a:duotone>
+          </a:blip>
+          <a:stretch>
+            <a:fillRect/>
+          </a:stretch>
+        </p:blipFill>
+        <p:spPr>
+          <a:xfrm>
+            <a:off x="2654134" y="1243304"/>
+            <a:ext cx="1757880" cy="1757880"/>
+          </a:xfrm>
+          <a:prstGeom prst="rect">
+            <a:avLst/>
+          </a:prstGeom>
+          <a:solidFill>
+            <a:srgbClr val="FFFFFF">
+              <a:shade val="85000"/>
+            </a:srgbClr>
+          </a:solidFill>
+          <a:ln w="190500" cap="rnd">
+            <a:solidFill>
+              <a:srgbClr val="FFFFFF"/>
+            </a:solidFill>
+          </a:ln>
+          <a:effectLst>
+            <a:outerShdw blurRad="50000" algn="tl" rotWithShape="0">
+              <a:srgbClr val="000000">
+                <a:alpha val="41000"/>
+              </a:srgbClr>
+            </a:outerShdw>
+          </a:effectLst>
+          <a:scene3d>
+            <a:camera prst="orthographicFront"/>
+            <a:lightRig rig="twoPt" dir="t">
+              <a:rot lat="0" lon="0" rev="7800000"/>
+            </a:lightRig>
+          </a:scene3d>
+          <a:sp3d contourW="6350">
+            <a:bevelT w="50800" h="16510"/>
+            <a:contourClr>
+              <a:srgbClr val="C0C0C0"/>
+            </a:contourClr>
+          </a:sp3d>
+        </p:spPr>
+      </p:pic>
+    </p:spTree>
+    <p:extLst>
+      <p:ext uri="{BB962C8B-B14F-4D97-AF65-F5344CB8AC3E}">
+        <p14:creationId xmlns:p14="http://schemas.microsoft.com/office/powerpoint/2010/main" val="2513564403"/>
+      </p:ext>
+    </p:extLst>
+  </p:cSld>
+  <p:clrMapOvr>
+    <a:masterClrMapping/>
+  </p:clrMapOvr>
+</p:sld>
+</file>
+
+<file path=ppt/slides/slide9.xml><?xml version="1.0" encoding="utf-8"?>
+<p:sld xmlns:a="http://schemas.openxmlformats.org/drawingml/2006/main" xmlns:r="http://schemas.openxmlformats.org/officeDocument/2006/relationships" xmlns:p="http://schemas.openxmlformats.org/presentationml/2006/main">
+  <p:cSld>
+    <p:spTree>
+      <p:nvGrpSpPr>
+        <p:cNvPr id="1" name=""/>
+        <p:cNvGrpSpPr/>
+        <p:nvPr/>
+      </p:nvGrpSpPr>
+      <p:grpSpPr>
+        <a:xfrm>
+          <a:off x="0" y="0"/>
+          <a:ext cx="0" cy="0"/>
+          <a:chOff x="0" y="0"/>
+          <a:chExt cx="0" cy="0"/>
+        </a:xfrm>
+      </p:grpSpPr>
+      <p:pic>
+        <p:nvPicPr>
+          <p:cNvPr id="6" name="Picture 5">
+            <a:extLst>
+              <a:ext uri="{FF2B5EF4-FFF2-40B4-BE49-F238E27FC236}">
+                <a16:creationId xmlns:a16="http://schemas.microsoft.com/office/drawing/2014/main" id="{356D0A0F-30E2-4DC8-2AC8-1D67CFF88924}"/>
+              </a:ext>
+            </a:extLst>
+          </p:cNvPr>
+          <p:cNvPicPr>
+            <a:picLocks noChangeAspect="1"/>
+          </p:cNvPicPr>
+          <p:nvPr/>
+        </p:nvPicPr>
+        <p:blipFill>
+          <a:blip r:embed="rId2"/>
+          <a:stretch>
+            <a:fillRect/>
+          </a:stretch>
+        </p:blipFill>
+        <p:spPr>
+          <a:xfrm>
+            <a:off x="1493107" y="630795"/>
+            <a:ext cx="2560542" cy="2554445"/>
+          </a:xfrm>
+          <a:prstGeom prst="rect">
+            <a:avLst/>
+          </a:prstGeom>
+          <a:solidFill>
+            <a:srgbClr val="FFFFFF">
+              <a:shade val="85000"/>
+            </a:srgbClr>
+          </a:solidFill>
+          <a:ln w="190500" cap="rnd">
+            <a:solidFill>
+              <a:srgbClr val="FFFFFF"/>
+            </a:solidFill>
+          </a:ln>
+          <a:effectLst>
+            <a:outerShdw blurRad="50000" algn="tl" rotWithShape="0">
+              <a:srgbClr val="000000">
+                <a:alpha val="41000"/>
+              </a:srgbClr>
+            </a:outerShdw>
+          </a:effectLst>
+          <a:scene3d>
+            <a:camera prst="orthographicFront"/>
+            <a:lightRig rig="twoPt" dir="t">
+              <a:rot lat="0" lon="0" rev="7800000"/>
+            </a:lightRig>
+          </a:scene3d>
+          <a:sp3d contourW="6350">
+            <a:bevelT w="50800" h="16510"/>
+            <a:contourClr>
+              <a:srgbClr val="C0C0C0"/>
+            </a:contourClr>
+          </a:sp3d>
+        </p:spPr>
+      </p:pic>
+      <p:pic>
+        <p:nvPicPr>
+          <p:cNvPr id="7" name="Picture 6">
+            <a:extLst>
+              <a:ext uri="{FF2B5EF4-FFF2-40B4-BE49-F238E27FC236}">
+                <a16:creationId xmlns:a16="http://schemas.microsoft.com/office/drawing/2014/main" id="{11C6E37D-0DFB-D2F4-DBDE-34D2BD08C6EB}"/>
+              </a:ext>
+            </a:extLst>
+          </p:cNvPr>
+          <p:cNvPicPr>
+            <a:picLocks noChangeAspect="1"/>
+          </p:cNvPicPr>
+          <p:nvPr/>
+        </p:nvPicPr>
+        <p:blipFill>
+          <a:blip r:embed="rId2">
+            <a:duotone>
+              <a:schemeClr val="accent2">
+                <a:shade val="45000"/>
+                <a:satMod val="135000"/>
+              </a:schemeClr>
+              <a:prstClr val="white"/>
+            </a:duotone>
+          </a:blip>
+          <a:stretch>
+            <a:fillRect/>
+          </a:stretch>
+        </p:blipFill>
+        <p:spPr>
+          <a:xfrm>
+            <a:off x="3836445" y="3399575"/>
+            <a:ext cx="2560542" cy="2554445"/>
+          </a:xfrm>
+          <a:prstGeom prst="rect">
+            <a:avLst/>
+          </a:prstGeom>
+          <a:solidFill>
+            <a:srgbClr val="FFFFFF">
+              <a:shade val="85000"/>
+            </a:srgbClr>
+          </a:solidFill>
+          <a:ln w="190500" cap="rnd">
+            <a:solidFill>
+              <a:srgbClr val="FFFFFF"/>
+            </a:solidFill>
+          </a:ln>
+          <a:effectLst>
+            <a:outerShdw blurRad="50000" algn="tl" rotWithShape="0">
+              <a:srgbClr val="000000">
+                <a:alpha val="41000"/>
+              </a:srgbClr>
+            </a:outerShdw>
+          </a:effectLst>
+          <a:scene3d>
+            <a:camera prst="orthographicFront"/>
+            <a:lightRig rig="twoPt" dir="t">
+              <a:rot lat="0" lon="0" rev="7800000"/>
+            </a:lightRig>
+          </a:scene3d>
+          <a:sp3d contourW="6350">
+            <a:bevelT w="50800" h="16510"/>
+            <a:contourClr>
+              <a:srgbClr val="C0C0C0"/>
+            </a:contourClr>
+          </a:sp3d>
+        </p:spPr>
+      </p:pic>
+      <p:pic>
+        <p:nvPicPr>
+          <p:cNvPr id="8" name="Picture 7">
+            <a:extLst>
+              <a:ext uri="{FF2B5EF4-FFF2-40B4-BE49-F238E27FC236}">
+                <a16:creationId xmlns:a16="http://schemas.microsoft.com/office/drawing/2014/main" id="{1244149D-3717-6A1A-E0C7-DFAA2694F7D1}"/>
+              </a:ext>
+            </a:extLst>
+          </p:cNvPr>
+          <p:cNvPicPr>
+            <a:picLocks noChangeAspect="1"/>
+          </p:cNvPicPr>
+          <p:nvPr/>
+        </p:nvPicPr>
+        <p:blipFill>
+          <a:blip r:embed="rId2">
+            <a:duotone>
+              <a:schemeClr val="bg2">
+                <a:shade val="45000"/>
+                <a:satMod val="135000"/>
+              </a:schemeClr>
+              <a:prstClr val="white"/>
+            </a:duotone>
+          </a:blip>
+          <a:stretch>
+            <a:fillRect/>
+          </a:stretch>
+        </p:blipFill>
+        <p:spPr>
+          <a:xfrm>
+            <a:off x="7302414" y="1080451"/>
+            <a:ext cx="2560542" cy="2554445"/>
+          </a:xfrm>
+          <a:prstGeom prst="rect">
+            <a:avLst/>
+          </a:prstGeom>
+          <a:solidFill>
+            <a:srgbClr val="FFFFFF">
+              <a:shade val="85000"/>
+            </a:srgbClr>
+          </a:solidFill>
+          <a:ln w="190500" cap="rnd">
+            <a:solidFill>
+              <a:srgbClr val="FFFFFF"/>
+            </a:solidFill>
+          </a:ln>
+          <a:effectLst>
+            <a:outerShdw blurRad="50000" algn="tl" rotWithShape="0">
+              <a:srgbClr val="000000">
+                <a:alpha val="41000"/>
+              </a:srgbClr>
+            </a:outerShdw>
+          </a:effectLst>
+          <a:scene3d>
+            <a:camera prst="orthographicFront"/>
+            <a:lightRig rig="twoPt" dir="t">
+              <a:rot lat="0" lon="0" rev="7800000"/>
+            </a:lightRig>
+          </a:scene3d>
+          <a:sp3d contourW="6350">
+            <a:bevelT w="50800" h="16510"/>
+            <a:contourClr>
+              <a:srgbClr val="C0C0C0"/>
+            </a:contourClr>
+          </a:sp3d>
+        </p:spPr>
+      </p:pic>
+    </p:spTree>
+    <p:extLst>
+      <p:ext uri="{BB962C8B-B14F-4D97-AF65-F5344CB8AC3E}">
+        <p14:creationId xmlns:p14="http://schemas.microsoft.com/office/powerpoint/2010/main" val="2284552248"/>
       </p:ext>
     </p:extLst>
   </p:cSld>
